--- a/day1/async_await/nodejs_async_await.pptx
+++ b/day1/async_await/nodejs_async_await.pptx
@@ -124,7 +124,7 @@
   </p:defaultTextStyle>
   <p:extLst>
     <p:ext uri="{EFAFB233-063F-42B5-8137-9DF3F51BA10A}">
-      <p15:sldGuideLst xmlns="" xmlns:p15="http://schemas.microsoft.com/office/powerpoint/2012/main">
+      <p15:sldGuideLst xmlns:p15="http://schemas.microsoft.com/office/powerpoint/2012/main" xmlns="">
         <p15:guide id="1" orient="horz" pos="2160">
           <p15:clr>
             <a:srgbClr val="A4A3A4"/>
@@ -223,7 +223,7 @@
           <a:p>
             <a:fld id="{1E64356D-F091-4486-B0BB-66BE03FC5D73}" type="datetimeFigureOut">
               <a:rPr lang="en-US" smtClean="0"/>
-              <a:t>4/6/2018</a:t>
+              <a:t>4/21/2018</a:t>
             </a:fld>
             <a:endParaRPr lang="en-US"/>
           </a:p>
@@ -1369,7 +1369,7 @@
             <a:fld id="{1D8BD707-D9CF-40AE-B4C6-C98DA3205C09}" type="datetimeFigureOut">
               <a:rPr lang="en-US" smtClean="0"/>
               <a:pPr/>
-              <a:t>4/6/2018</a:t>
+              <a:t>4/21/2018</a:t>
             </a:fld>
             <a:endParaRPr lang="en-US"/>
           </a:p>
@@ -1622,7 +1622,7 @@
             <a:fld id="{1D8BD707-D9CF-40AE-B4C6-C98DA3205C09}" type="datetimeFigureOut">
               <a:rPr lang="en-US" smtClean="0"/>
               <a:pPr/>
-              <a:t>4/6/2018</a:t>
+              <a:t>4/21/2018</a:t>
             </a:fld>
             <a:endParaRPr lang="en-US"/>
           </a:p>
@@ -1938,7 +1938,7 @@
             <a:fld id="{1D8BD707-D9CF-40AE-B4C6-C98DA3205C09}" type="datetimeFigureOut">
               <a:rPr lang="en-US" smtClean="0"/>
               <a:pPr/>
-              <a:t>4/6/2018</a:t>
+              <a:t>4/21/2018</a:t>
             </a:fld>
             <a:endParaRPr lang="en-US"/>
           </a:p>
@@ -2273,7 +2273,7 @@
             <a:fld id="{1D8BD707-D9CF-40AE-B4C6-C98DA3205C09}" type="datetimeFigureOut">
               <a:rPr lang="en-US" smtClean="0"/>
               <a:pPr/>
-              <a:t>4/6/2018</a:t>
+              <a:t>4/21/2018</a:t>
             </a:fld>
             <a:endParaRPr lang="en-US"/>
           </a:p>
@@ -2589,7 +2589,7 @@
             <a:fld id="{1D8BD707-D9CF-40AE-B4C6-C98DA3205C09}" type="datetimeFigureOut">
               <a:rPr lang="en-US" smtClean="0"/>
               <a:pPr/>
-              <a:t>4/6/2018</a:t>
+              <a:t>4/21/2018</a:t>
             </a:fld>
             <a:endParaRPr lang="en-US"/>
           </a:p>
@@ -2984,7 +2984,7 @@
             <a:fld id="{1D8BD707-D9CF-40AE-B4C6-C98DA3205C09}" type="datetimeFigureOut">
               <a:rPr lang="en-US" smtClean="0"/>
               <a:pPr/>
-              <a:t>4/6/2018</a:t>
+              <a:t>4/21/2018</a:t>
             </a:fld>
             <a:endParaRPr lang="en-US"/>
           </a:p>
@@ -3156,7 +3156,7 @@
             <a:fld id="{1D8BD707-D9CF-40AE-B4C6-C98DA3205C09}" type="datetimeFigureOut">
               <a:rPr lang="en-US" smtClean="0"/>
               <a:pPr/>
-              <a:t>4/6/2018</a:t>
+              <a:t>4/21/2018</a:t>
             </a:fld>
             <a:endParaRPr lang="en-US"/>
           </a:p>
@@ -3338,7 +3338,7 @@
             <a:fld id="{1D8BD707-D9CF-40AE-B4C6-C98DA3205C09}" type="datetimeFigureOut">
               <a:rPr lang="en-US" smtClean="0"/>
               <a:pPr/>
-              <a:t>4/6/2018</a:t>
+              <a:t>4/21/2018</a:t>
             </a:fld>
             <a:endParaRPr lang="en-US"/>
           </a:p>
@@ -3510,7 +3510,7 @@
             <a:fld id="{1D8BD707-D9CF-40AE-B4C6-C98DA3205C09}" type="datetimeFigureOut">
               <a:rPr lang="en-US" smtClean="0"/>
               <a:pPr/>
-              <a:t>4/6/2018</a:t>
+              <a:t>4/21/2018</a:t>
             </a:fld>
             <a:endParaRPr lang="en-US"/>
           </a:p>
@@ -3759,7 +3759,7 @@
             <a:fld id="{1D8BD707-D9CF-40AE-B4C6-C98DA3205C09}" type="datetimeFigureOut">
               <a:rPr lang="en-US" smtClean="0"/>
               <a:pPr/>
-              <a:t>4/6/2018</a:t>
+              <a:t>4/21/2018</a:t>
             </a:fld>
             <a:endParaRPr lang="en-US"/>
           </a:p>
@@ -4058,7 +4058,7 @@
             <a:fld id="{1D8BD707-D9CF-40AE-B4C6-C98DA3205C09}" type="datetimeFigureOut">
               <a:rPr lang="en-US" smtClean="0"/>
               <a:pPr/>
-              <a:t>4/6/2018</a:t>
+              <a:t>4/21/2018</a:t>
             </a:fld>
             <a:endParaRPr lang="en-US"/>
           </a:p>
@@ -4439,7 +4439,7 @@
             <a:fld id="{1D8BD707-D9CF-40AE-B4C6-C98DA3205C09}" type="datetimeFigureOut">
               <a:rPr lang="en-US" smtClean="0"/>
               <a:pPr/>
-              <a:t>4/6/2018</a:t>
+              <a:t>4/21/2018</a:t>
             </a:fld>
             <a:endParaRPr lang="en-US"/>
           </a:p>
@@ -4564,7 +4564,7 @@
             <a:fld id="{1D8BD707-D9CF-40AE-B4C6-C98DA3205C09}" type="datetimeFigureOut">
               <a:rPr lang="en-US" smtClean="0"/>
               <a:pPr/>
-              <a:t>4/6/2018</a:t>
+              <a:t>4/21/2018</a:t>
             </a:fld>
             <a:endParaRPr lang="en-US"/>
           </a:p>
@@ -4661,7 +4661,7 @@
             <a:fld id="{1D8BD707-D9CF-40AE-B4C6-C98DA3205C09}" type="datetimeFigureOut">
               <a:rPr lang="en-US" smtClean="0"/>
               <a:pPr/>
-              <a:t>4/6/2018</a:t>
+              <a:t>4/21/2018</a:t>
             </a:fld>
             <a:endParaRPr lang="en-US"/>
           </a:p>
@@ -4918,7 +4918,7 @@
             <a:fld id="{1D8BD707-D9CF-40AE-B4C6-C98DA3205C09}" type="datetimeFigureOut">
               <a:rPr lang="en-US" smtClean="0"/>
               <a:pPr/>
-              <a:t>4/6/2018</a:t>
+              <a:t>4/21/2018</a:t>
             </a:fld>
             <a:endParaRPr lang="en-US"/>
           </a:p>
@@ -5183,7 +5183,7 @@
             <a:fld id="{1D8BD707-D9CF-40AE-B4C6-C98DA3205C09}" type="datetimeFigureOut">
               <a:rPr lang="en-US" smtClean="0"/>
               <a:pPr/>
-              <a:t>4/6/2018</a:t>
+              <a:t>4/21/2018</a:t>
             </a:fld>
             <a:endParaRPr lang="en-US"/>
           </a:p>
@@ -5999,7 +5999,7 @@
             <a:fld id="{1D8BD707-D9CF-40AE-B4C6-C98DA3205C09}" type="datetimeFigureOut">
               <a:rPr lang="en-US" smtClean="0"/>
               <a:pPr/>
-              <a:t>4/6/2018</a:t>
+              <a:t>4/21/2018</a:t>
             </a:fld>
             <a:endParaRPr lang="en-US"/>
           </a:p>
@@ -6727,8 +6727,12 @@
           </a:p>
           <a:p>
             <a:r>
+              <a:rPr lang="en-US" b="1" dirty="0" smtClean="0"/>
+              <a:t>You cannot use await on your top level code </a:t>
+            </a:r>
+            <a:r>
               <a:rPr lang="en-US" dirty="0" smtClean="0"/>
-              <a:t>You cannot use await on your top level code – on top level code you must resolve a promise explicitly</a:t>
+              <a:t>– on top level code you must resolve a promise explicitly</a:t>
             </a:r>
           </a:p>
           <a:p>
@@ -8446,7 +8450,7 @@
   <a:extraClrSchemeLst/>
   <a:extLst>
     <a:ext uri="{05A4C25C-085E-4340-85A3-A5531E510DB2}">
-      <thm15:themeFamily xmlns="" xmlns:thm15="http://schemas.microsoft.com/office/thememl/2012/main" name="Facet" id="{C0C680CD-088A-49FC-A102-D699147F32B2}" vid="{CFBC31BA-B70F-4F30-BCAA-4F3011E16C4D}"/>
+      <thm15:themeFamily xmlns:thm15="http://schemas.microsoft.com/office/thememl/2012/main" xmlns="" name="Facet" id="{C0C680CD-088A-49FC-A102-D699147F32B2}" vid="{CFBC31BA-B70F-4F30-BCAA-4F3011E16C4D}"/>
     </a:ext>
   </a:extLst>
 </a:theme>

--- a/day1/async_await/nodejs_async_await.pptx
+++ b/day1/async_await/nodejs_async_await.pptx
@@ -124,7 +124,7 @@
   </p:defaultTextStyle>
   <p:extLst>
     <p:ext uri="{EFAFB233-063F-42B5-8137-9DF3F51BA10A}">
-      <p15:sldGuideLst xmlns:p15="http://schemas.microsoft.com/office/powerpoint/2012/main" xmlns="">
+      <p15:sldGuideLst xmlns="" xmlns:p15="http://schemas.microsoft.com/office/powerpoint/2012/main">
         <p15:guide id="1" orient="horz" pos="2160">
           <p15:clr>
             <a:srgbClr val="A4A3A4"/>
@@ -8450,7 +8450,7 @@
   <a:extraClrSchemeLst/>
   <a:extLst>
     <a:ext uri="{05A4C25C-085E-4340-85A3-A5531E510DB2}">
-      <thm15:themeFamily xmlns:thm15="http://schemas.microsoft.com/office/thememl/2012/main" xmlns="" name="Facet" id="{C0C680CD-088A-49FC-A102-D699147F32B2}" vid="{CFBC31BA-B70F-4F30-BCAA-4F3011E16C4D}"/>
+      <thm15:themeFamily xmlns="" xmlns:thm15="http://schemas.microsoft.com/office/thememl/2012/main" name="Facet" id="{C0C680CD-088A-49FC-A102-D699147F32B2}" vid="{CFBC31BA-B70F-4F30-BCAA-4F3011E16C4D}"/>
     </a:ext>
   </a:extLst>
 </a:theme>
